--- a/Очень важные вещи/Итоговая презентация (Калькулятор протезов).pptx
+++ b/Очень важные вещи/Итоговая презентация (Калькулятор протезов).pptx
@@ -360,7 +360,7 @@
             <a:pPr indent="0" algn="r">
               <a:buNone/>
             </a:pPr>
-            <a:fld id="{543731E4-F928-4247-AAB7-DA882B293053}" type="slidenum">
+            <a:fld id="{288EA138-27A0-4827-8F6E-E85480C74C85}" type="slidenum">
               <a:rPr b="0" lang="ru-RU" sz="1400" strike="noStrike" u="none">
                 <a:solidFill>
                   <a:srgbClr val="000000"/>
@@ -405,7 +405,7 @@
       </p:grpSpPr>
       <p:sp>
         <p:nvSpPr>
-          <p:cNvPr id="42" name="PlaceHolder 1"/>
+          <p:cNvPr id="48" name="PlaceHolder 1"/>
           <p:cNvSpPr>
             <a:spLocks noGrp="1"/>
           </p:cNvSpPr>
@@ -428,7 +428,7 @@
       </p:sp>
       <p:sp>
         <p:nvSpPr>
-          <p:cNvPr id="43" name="PlaceHolder 2"/>
+          <p:cNvPr id="49" name="PlaceHolder 2"/>
           <p:cNvSpPr>
             <a:spLocks noGrp="1"/>
           </p:cNvSpPr>
@@ -469,7 +469,7 @@
       </p:sp>
       <p:sp>
         <p:nvSpPr>
-          <p:cNvPr id="44" name="PlaceHolder 3"/>
+          <p:cNvPr id="50" name="PlaceHolder 3"/>
           <p:cNvSpPr>
             <a:spLocks noGrp="1"/>
           </p:cNvSpPr>
@@ -523,7 +523,7 @@
                 <a:tab algn="l" pos="0"/>
               </a:tabLst>
             </a:pPr>
-            <a:fld id="{9AE164A2-2788-4926-A5E8-3FDF6B0B8E17}" type="slidenum">
+            <a:fld id="{95632111-28C2-48D0-94FD-9E46423366C2}" type="slidenum">
               <a:rPr b="0" lang="en-US" sz="1800" strike="noStrike" u="none">
                 <a:solidFill>
                   <a:schemeClr val="dk1"/>
@@ -568,7 +568,7 @@
       </p:grpSpPr>
       <p:sp>
         <p:nvSpPr>
-          <p:cNvPr id="45" name="PlaceHolder 1"/>
+          <p:cNvPr id="51" name="PlaceHolder 1"/>
           <p:cNvSpPr>
             <a:spLocks noGrp="1"/>
           </p:cNvSpPr>
@@ -591,7 +591,7 @@
       </p:sp>
       <p:sp>
         <p:nvSpPr>
-          <p:cNvPr id="46" name="PlaceHolder 2"/>
+          <p:cNvPr id="52" name="PlaceHolder 2"/>
           <p:cNvSpPr>
             <a:spLocks noGrp="1"/>
           </p:cNvSpPr>
@@ -632,7 +632,7 @@
       </p:sp>
       <p:sp>
         <p:nvSpPr>
-          <p:cNvPr id="47" name="PlaceHolder 3"/>
+          <p:cNvPr id="53" name="PlaceHolder 3"/>
           <p:cNvSpPr>
             <a:spLocks noGrp="1"/>
           </p:cNvSpPr>
@@ -686,7 +686,7 @@
                 <a:tab algn="l" pos="0"/>
               </a:tabLst>
             </a:pPr>
-            <a:fld id="{CACB7038-E200-44C9-AF28-EB702D6CD121}" type="slidenum">
+            <a:fld id="{3771A677-66F5-40C1-9F3D-AEB27BD65CEE}" type="slidenum">
               <a:rPr b="0" lang="en-US" sz="1800" strike="noStrike" u="none">
                 <a:solidFill>
                   <a:schemeClr val="dk1"/>
@@ -731,7 +731,7 @@
       </p:grpSpPr>
       <p:sp>
         <p:nvSpPr>
-          <p:cNvPr id="48" name="PlaceHolder 1"/>
+          <p:cNvPr id="54" name="PlaceHolder 1"/>
           <p:cNvSpPr>
             <a:spLocks noGrp="1"/>
           </p:cNvSpPr>
@@ -754,7 +754,7 @@
       </p:sp>
       <p:sp>
         <p:nvSpPr>
-          <p:cNvPr id="49" name="PlaceHolder 2"/>
+          <p:cNvPr id="55" name="PlaceHolder 2"/>
           <p:cNvSpPr>
             <a:spLocks noGrp="1"/>
           </p:cNvSpPr>
@@ -795,7 +795,7 @@
       </p:sp>
       <p:sp>
         <p:nvSpPr>
-          <p:cNvPr id="50" name="PlaceHolder 3"/>
+          <p:cNvPr id="56" name="PlaceHolder 3"/>
           <p:cNvSpPr>
             <a:spLocks noGrp="1"/>
           </p:cNvSpPr>
@@ -849,7 +849,7 @@
                 <a:tab algn="l" pos="0"/>
               </a:tabLst>
             </a:pPr>
-            <a:fld id="{73FC0E8A-F058-4213-BF04-1A040257C7DE}" type="slidenum">
+            <a:fld id="{1DC859E4-2B58-499A-8283-3C5A26D50018}" type="slidenum">
               <a:rPr b="0" lang="en-US" sz="1800" strike="noStrike" u="none">
                 <a:solidFill>
                   <a:schemeClr val="dk1"/>
@@ -894,7 +894,7 @@
       </p:grpSpPr>
       <p:sp>
         <p:nvSpPr>
-          <p:cNvPr id="51" name="PlaceHolder 1"/>
+          <p:cNvPr id="57" name="PlaceHolder 1"/>
           <p:cNvSpPr>
             <a:spLocks noGrp="1"/>
           </p:cNvSpPr>
@@ -917,7 +917,7 @@
       </p:sp>
       <p:sp>
         <p:nvSpPr>
-          <p:cNvPr id="52" name="PlaceHolder 2"/>
+          <p:cNvPr id="58" name="PlaceHolder 2"/>
           <p:cNvSpPr>
             <a:spLocks noGrp="1"/>
           </p:cNvSpPr>
@@ -958,7 +958,7 @@
       </p:sp>
       <p:sp>
         <p:nvSpPr>
-          <p:cNvPr id="53" name="PlaceHolder 3"/>
+          <p:cNvPr id="59" name="PlaceHolder 3"/>
           <p:cNvSpPr>
             <a:spLocks noGrp="1"/>
           </p:cNvSpPr>
@@ -1012,7 +1012,7 @@
                 <a:tab algn="l" pos="0"/>
               </a:tabLst>
             </a:pPr>
-            <a:fld id="{2A650301-2C41-4A40-B234-58E17D7AD4DE}" type="slidenum">
+            <a:fld id="{06D91F65-282F-4069-B8AA-933DAAC47EA5}" type="slidenum">
               <a:rPr b="0" lang="en-US" sz="1800" strike="noStrike" u="none">
                 <a:solidFill>
                   <a:schemeClr val="dk1"/>
@@ -1057,7 +1057,7 @@
       </p:grpSpPr>
       <p:sp>
         <p:nvSpPr>
-          <p:cNvPr id="54" name="PlaceHolder 1"/>
+          <p:cNvPr id="60" name="PlaceHolder 1"/>
           <p:cNvSpPr>
             <a:spLocks noGrp="1"/>
           </p:cNvSpPr>
@@ -1080,7 +1080,7 @@
       </p:sp>
       <p:sp>
         <p:nvSpPr>
-          <p:cNvPr id="55" name="PlaceHolder 2"/>
+          <p:cNvPr id="61" name="PlaceHolder 2"/>
           <p:cNvSpPr>
             <a:spLocks noGrp="1"/>
           </p:cNvSpPr>
@@ -1121,7 +1121,7 @@
       </p:sp>
       <p:sp>
         <p:nvSpPr>
-          <p:cNvPr id="56" name="PlaceHolder 3"/>
+          <p:cNvPr id="62" name="PlaceHolder 3"/>
           <p:cNvSpPr>
             <a:spLocks noGrp="1"/>
           </p:cNvSpPr>
@@ -1175,7 +1175,7 @@
                 <a:tab algn="l" pos="0"/>
               </a:tabLst>
             </a:pPr>
-            <a:fld id="{63AF5A98-BC52-44E0-85D1-86197D6AD4C2}" type="slidenum">
+            <a:fld id="{F01A318D-1281-4D76-9F52-26FCD4636011}" type="slidenum">
               <a:rPr b="0" lang="en-US" sz="1800" strike="noStrike" u="none">
                 <a:solidFill>
                   <a:schemeClr val="dk1"/>
@@ -1220,7 +1220,7 @@
       </p:grpSpPr>
       <p:sp>
         <p:nvSpPr>
-          <p:cNvPr id="57" name="PlaceHolder 1"/>
+          <p:cNvPr id="63" name="PlaceHolder 1"/>
           <p:cNvSpPr>
             <a:spLocks noGrp="1"/>
           </p:cNvSpPr>
@@ -1243,7 +1243,7 @@
       </p:sp>
       <p:sp>
         <p:nvSpPr>
-          <p:cNvPr id="58" name="PlaceHolder 2"/>
+          <p:cNvPr id="64" name="PlaceHolder 2"/>
           <p:cNvSpPr>
             <a:spLocks noGrp="1"/>
           </p:cNvSpPr>
@@ -1284,7 +1284,7 @@
       </p:sp>
       <p:sp>
         <p:nvSpPr>
-          <p:cNvPr id="59" name="PlaceHolder 3"/>
+          <p:cNvPr id="65" name="PlaceHolder 3"/>
           <p:cNvSpPr>
             <a:spLocks noGrp="1"/>
           </p:cNvSpPr>
@@ -1338,7 +1338,7 @@
                 <a:tab algn="l" pos="0"/>
               </a:tabLst>
             </a:pPr>
-            <a:fld id="{ED947632-A599-49F7-ABAC-CFC9584DE471}" type="slidenum">
+            <a:fld id="{3AE0FBF7-0E99-44EB-8CFA-D82C3D2A95B5}" type="slidenum">
               <a:rPr b="0" lang="en-US" sz="1800" strike="noStrike" u="none">
                 <a:solidFill>
                   <a:schemeClr val="dk1"/>
@@ -1383,7 +1383,7 @@
       </p:grpSpPr>
       <p:sp>
         <p:nvSpPr>
-          <p:cNvPr id="60" name="PlaceHolder 1"/>
+          <p:cNvPr id="66" name="PlaceHolder 1"/>
           <p:cNvSpPr>
             <a:spLocks noGrp="1"/>
           </p:cNvSpPr>
@@ -1406,7 +1406,7 @@
       </p:sp>
       <p:sp>
         <p:nvSpPr>
-          <p:cNvPr id="61" name="PlaceHolder 2"/>
+          <p:cNvPr id="67" name="PlaceHolder 2"/>
           <p:cNvSpPr>
             <a:spLocks noGrp="1"/>
           </p:cNvSpPr>
@@ -1447,7 +1447,7 @@
       </p:sp>
       <p:sp>
         <p:nvSpPr>
-          <p:cNvPr id="62" name="PlaceHolder 3"/>
+          <p:cNvPr id="68" name="PlaceHolder 3"/>
           <p:cNvSpPr>
             <a:spLocks noGrp="1"/>
           </p:cNvSpPr>
@@ -1501,7 +1501,7 @@
                 <a:tab algn="l" pos="0"/>
               </a:tabLst>
             </a:pPr>
-            <a:fld id="{547399FC-3AA5-4746-8553-5796CF0E9F87}" type="slidenum">
+            <a:fld id="{C8C6C240-67C2-4E90-AF64-F6096DE859AE}" type="slidenum">
               <a:rPr b="0" lang="en-US" sz="1800" strike="noStrike" u="none">
                 <a:solidFill>
                   <a:schemeClr val="dk1"/>
@@ -1510,7 +1510,7 @@
                 <a:latin typeface="+mn-lt"/>
                 <a:ea typeface="+mn-ea"/>
               </a:rPr>
-              <a:t>&lt;номер&gt;</a:t>
+              <a:t>1</a:t>
             </a:fld>
             <a:endParaRPr b="0" lang="ru-RU" sz="1800" strike="noStrike" u="none">
               <a:solidFill>
@@ -1546,7 +1546,7 @@
       </p:grpSpPr>
       <p:sp>
         <p:nvSpPr>
-          <p:cNvPr id="63" name="PlaceHolder 1"/>
+          <p:cNvPr id="69" name="PlaceHolder 1"/>
           <p:cNvSpPr>
             <a:spLocks noGrp="1"/>
           </p:cNvSpPr>
@@ -1569,7 +1569,7 @@
       </p:sp>
       <p:sp>
         <p:nvSpPr>
-          <p:cNvPr id="64" name="PlaceHolder 2"/>
+          <p:cNvPr id="70" name="PlaceHolder 2"/>
           <p:cNvSpPr>
             <a:spLocks noGrp="1"/>
           </p:cNvSpPr>
@@ -1610,7 +1610,7 @@
       </p:sp>
       <p:sp>
         <p:nvSpPr>
-          <p:cNvPr id="65" name="PlaceHolder 3"/>
+          <p:cNvPr id="71" name="PlaceHolder 3"/>
           <p:cNvSpPr>
             <a:spLocks noGrp="1"/>
           </p:cNvSpPr>
@@ -1664,7 +1664,7 @@
                 <a:tab algn="l" pos="0"/>
               </a:tabLst>
             </a:pPr>
-            <a:fld id="{5B619E32-2B4A-4C9E-ABBF-A81097504B76}" type="slidenum">
+            <a:fld id="{020A05A5-CFE4-4002-9B73-00C17EFF7CF2}" type="slidenum">
               <a:rPr b="0" lang="en-US" sz="1800" strike="noStrike" u="none">
                 <a:solidFill>
                   <a:schemeClr val="dk1"/>
@@ -1721,7 +1721,7 @@
         <p:txBody>
           <a:bodyPr/>
           <a:p>
-            <a:fld id="{AB71985F-C159-4459-8E61-094B29756865}" type="slidenum">
+            <a:fld id="{3DDB35E8-8A64-466A-AAD3-CC41DE7802A9}" type="slidenum">
               <a:t>&lt;#&gt;</a:t>
             </a:fld>
           </a:p>
@@ -1763,7 +1763,7 @@
         <p:txBody>
           <a:bodyPr/>
           <a:p>
-            <a:fld id="{918F979E-9139-4BD0-9F42-B6D9743711B0}" type="slidenum">
+            <a:fld id="{98F628C1-7B28-4F56-9507-4D16ADD2222B}" type="slidenum">
               <a:t>&lt;#&gt;</a:t>
             </a:fld>
           </a:p>
@@ -1854,7 +1854,7 @@
                 <a:tab algn="l" pos="0"/>
               </a:tabLst>
             </a:pPr>
-            <a:fld id="{9AFC9EAD-268E-4B97-8F47-0B895AF066F6}" type="slidenum">
+            <a:fld id="{49734F4B-87F0-492A-A8C9-CB3723DD4601}" type="slidenum">
               <a:rPr b="0" lang="en-US" sz="1200" strike="noStrike" u="none">
                 <a:solidFill>
                   <a:schemeClr val="dk1"/>
@@ -2497,6 +2497,61 @@
           </a:p>
         </p:txBody>
       </p:sp>
+      <p:sp>
+        <p:nvSpPr>
+          <p:cNvPr id="12" name=""/>
+          <p:cNvSpPr/>
+          <p:nvPr/>
+        </p:nvSpPr>
+        <p:spPr>
+          <a:xfrm>
+            <a:off x="15840000" y="9000000"/>
+            <a:ext cx="1980000" cy="900000"/>
+          </a:xfrm>
+          <a:prstGeom prst="rect">
+            <a:avLst/>
+          </a:prstGeom>
+          <a:solidFill>
+            <a:srgbClr val="729fcf"/>
+          </a:solidFill>
+          <a:ln w="0">
+            <a:solidFill>
+              <a:srgbClr val="3465a4"/>
+            </a:solidFill>
+          </a:ln>
+        </p:spPr>
+        <p:style>
+          <a:lnRef idx="0"/>
+          <a:fillRef idx="0"/>
+          <a:effectRef idx="0"/>
+          <a:fontRef idx="minor"/>
+        </p:style>
+        <p:txBody>
+          <a:bodyPr lIns="90000" rIns="90000" tIns="45000" bIns="45000" anchor="ctr">
+            <a:noAutofit/>
+          </a:bodyPr>
+          <a:p>
+            <a:pPr algn="ctr"/>
+            <a:r>
+              <a:rPr b="0" lang="ru-RU" sz="3600" strike="noStrike" u="none">
+                <a:solidFill>
+                  <a:srgbClr val="000000"/>
+                </a:solidFill>
+                <a:uFillTx/>
+                <a:latin typeface="Arial"/>
+              </a:rPr>
+              <a:t>1/9</a:t>
+            </a:r>
+            <a:endParaRPr b="0" lang="ru-RU" sz="3600" strike="noStrike" u="none">
+              <a:solidFill>
+                <a:srgbClr val="000000"/>
+              </a:solidFill>
+              <a:uFillTx/>
+              <a:latin typeface="Arial"/>
+            </a:endParaRPr>
+          </a:p>
+        </p:txBody>
+      </p:sp>
     </p:spTree>
   </p:cSld>
   <mc:AlternateContent>
@@ -2536,7 +2591,7 @@
       </p:grpSpPr>
       <p:sp>
         <p:nvSpPr>
-          <p:cNvPr id="12" name="default_name"/>
+          <p:cNvPr id="13" name="default_name"/>
           <p:cNvSpPr/>
           <p:nvPr/>
         </p:nvSpPr>
@@ -2595,7 +2650,7 @@
       </p:sp>
       <p:sp>
         <p:nvSpPr>
-          <p:cNvPr id="13" name="Footnote"/>
+          <p:cNvPr id="14" name="Footnote"/>
           <p:cNvSpPr/>
           <p:nvPr/>
         </p:nvSpPr>
@@ -2654,21 +2709,25 @@
       </p:sp>
       <p:sp>
         <p:nvSpPr>
-          <p:cNvPr id="14" name="TextBox 3"/>
+          <p:cNvPr id="15" name=""/>
           <p:cNvSpPr/>
           <p:nvPr/>
         </p:nvSpPr>
         <p:spPr>
           <a:xfrm>
-            <a:off x="17696160" y="9794520"/>
-            <a:ext cx="591120" cy="470520"/>
-          </a:xfrm>
-          <a:prstGeom prst="rect">
-            <a:avLst/>
-          </a:prstGeom>
-          <a:noFill/>
-          <a:ln w="0">
-            <a:noFill/>
+            <a:off x="15840000" y="9000000"/>
+            <a:ext cx="1980000" cy="900000"/>
+          </a:xfrm>
+          <a:prstGeom prst="rect">
+            <a:avLst/>
+          </a:prstGeom>
+          <a:solidFill>
+            <a:srgbClr val="729fcf"/>
+          </a:solidFill>
+          <a:ln w="0">
+            <a:solidFill>
+              <a:srgbClr val="3465a4"/>
+            </a:solidFill>
           </a:ln>
         </p:spPr>
         <p:style>
@@ -2678,49 +2737,55 @@
           <a:fontRef idx="minor"/>
         </p:style>
         <p:txBody>
-          <a:bodyPr lIns="90000" rIns="90000" tIns="45000" bIns="45000" anchor="t">
-            <a:spAutoFit/>
+          <a:bodyPr lIns="90000" rIns="90000" tIns="45000" bIns="45000" anchor="ctr">
+            <a:noAutofit/>
           </a:bodyPr>
           <a:p>
-            <a:pPr defTabSz="914400">
-              <a:lnSpc>
-                <a:spcPct val="100000"/>
-              </a:lnSpc>
-            </a:pPr>
-            <a:r>
-              <a:rPr b="1" lang="ru-RU" sz="2400" strike="noStrike" u="none">
-                <a:solidFill>
-                  <a:srgbClr val="0070c0"/>
-                </a:solidFill>
-                <a:uFillTx/>
-                <a:latin typeface="Montserrat Medium"/>
-              </a:rPr>
-              <a:t>2</a:t>
-            </a:r>
-            <a:endParaRPr b="0" lang="ru-RU" sz="2400" strike="noStrike" u="none">
-              <a:solidFill>
-                <a:srgbClr val="000000"/>
-              </a:solidFill>
-              <a:uFillTx/>
-              <a:latin typeface="Arial"/>
-            </a:endParaRPr>
-          </a:p>
-          <a:p>
-            <a:pPr defTabSz="914400">
-              <a:lnSpc>
-                <a:spcPct val="100000"/>
-              </a:lnSpc>
-            </a:pPr>
-            <a:endParaRPr b="0" lang="ru-RU" sz="100" strike="noStrike" u="none">
-              <a:solidFill>
-                <a:srgbClr val="000000"/>
-              </a:solidFill>
-              <a:uFillTx/>
-              <a:latin typeface="Arial"/>
-            </a:endParaRPr>
-          </a:p>
-        </p:txBody>
-      </p:sp>
+            <a:pPr algn="ctr"/>
+            <a:r>
+              <a:rPr b="0" lang="ru-RU" sz="3600" strike="noStrike" u="none">
+                <a:solidFill>
+                  <a:srgbClr val="000000"/>
+                </a:solidFill>
+                <a:uFillTx/>
+                <a:latin typeface="Arial"/>
+              </a:rPr>
+              <a:t>2/9</a:t>
+            </a:r>
+            <a:endParaRPr b="0" lang="ru-RU" sz="3600" strike="noStrike" u="none">
+              <a:solidFill>
+                <a:srgbClr val="000000"/>
+              </a:solidFill>
+              <a:uFillTx/>
+              <a:latin typeface="Arial"/>
+            </a:endParaRPr>
+          </a:p>
+        </p:txBody>
+      </p:sp>
+      <p:pic>
+        <p:nvPicPr>
+          <p:cNvPr id="16" name="" descr=""/>
+          <p:cNvPicPr/>
+          <p:nvPr/>
+        </p:nvPicPr>
+        <p:blipFill>
+          <a:blip r:embed="rId1"/>
+          <a:stretch/>
+        </p:blipFill>
+        <p:spPr>
+          <a:xfrm>
+            <a:off x="11700000" y="180000"/>
+            <a:ext cx="6204240" cy="4210200"/>
+          </a:xfrm>
+          <a:prstGeom prst="rect">
+            <a:avLst/>
+          </a:prstGeom>
+          <a:noFill/>
+          <a:ln w="0">
+            <a:noFill/>
+          </a:ln>
+        </p:spPr>
+      </p:pic>
     </p:spTree>
   </p:cSld>
   <mc:AlternateContent>
@@ -2760,7 +2825,7 @@
       </p:grpSpPr>
       <p:pic>
         <p:nvPicPr>
-          <p:cNvPr id="15" name="Rectangle 1" descr="preencoded.png"/>
+          <p:cNvPr id="17" name="Rectangle 1" descr="preencoded.png"/>
           <p:cNvPicPr/>
           <p:nvPr/>
         </p:nvPicPr>
@@ -2790,7 +2855,7 @@
       </p:pic>
       <p:sp>
         <p:nvSpPr>
-          <p:cNvPr id="16" name="default_name"/>
+          <p:cNvPr id="18" name="default_name"/>
           <p:cNvSpPr/>
           <p:nvPr/>
         </p:nvSpPr>
@@ -2849,7 +2914,7 @@
       </p:sp>
       <p:sp>
         <p:nvSpPr>
-          <p:cNvPr id="17" name="Text 1"/>
+          <p:cNvPr id="19" name="Text 1"/>
           <p:cNvSpPr/>
           <p:nvPr/>
         </p:nvSpPr>
@@ -2911,7 +2976,7 @@
       </p:sp>
       <p:sp>
         <p:nvSpPr>
-          <p:cNvPr id="18" name="default_name"/>
+          <p:cNvPr id="20" name="default_name"/>
           <p:cNvSpPr/>
           <p:nvPr/>
         </p:nvSpPr>
@@ -2970,7 +3035,7 @@
       </p:sp>
       <p:sp>
         <p:nvSpPr>
-          <p:cNvPr id="19" name="Text 3"/>
+          <p:cNvPr id="21" name="Text 3"/>
           <p:cNvSpPr/>
           <p:nvPr/>
         </p:nvSpPr>
@@ -3179,21 +3244,25 @@
       </p:sp>
       <p:sp>
         <p:nvSpPr>
-          <p:cNvPr id="20" name="TextBox 9"/>
+          <p:cNvPr id="22" name=""/>
           <p:cNvSpPr/>
           <p:nvPr/>
         </p:nvSpPr>
         <p:spPr>
           <a:xfrm>
-            <a:off x="17696160" y="9794520"/>
-            <a:ext cx="591120" cy="470520"/>
-          </a:xfrm>
-          <a:prstGeom prst="rect">
-            <a:avLst/>
-          </a:prstGeom>
-          <a:noFill/>
-          <a:ln w="0">
-            <a:noFill/>
+            <a:off x="15840000" y="9000000"/>
+            <a:ext cx="1980000" cy="900000"/>
+          </a:xfrm>
+          <a:prstGeom prst="rect">
+            <a:avLst/>
+          </a:prstGeom>
+          <a:solidFill>
+            <a:srgbClr val="729fcf"/>
+          </a:solidFill>
+          <a:ln w="0">
+            <a:solidFill>
+              <a:srgbClr val="3465a4"/>
+            </a:solidFill>
           </a:ln>
         </p:spPr>
         <p:style>
@@ -3203,40 +3272,22 @@
           <a:fontRef idx="minor"/>
         </p:style>
         <p:txBody>
-          <a:bodyPr lIns="90000" rIns="90000" tIns="45000" bIns="45000" anchor="t">
-            <a:spAutoFit/>
+          <a:bodyPr lIns="90000" rIns="90000" tIns="45000" bIns="45000" anchor="ctr">
+            <a:noAutofit/>
           </a:bodyPr>
           <a:p>
-            <a:pPr defTabSz="914400">
-              <a:lnSpc>
-                <a:spcPct val="100000"/>
-              </a:lnSpc>
-            </a:pPr>
-            <a:r>
-              <a:rPr b="1" lang="ru-RU" sz="2400" strike="noStrike" u="none">
-                <a:solidFill>
-                  <a:srgbClr val="0070c0"/>
-                </a:solidFill>
-                <a:uFillTx/>
-                <a:latin typeface="Montserrat Medium"/>
-              </a:rPr>
-              <a:t>3</a:t>
-            </a:r>
-            <a:endParaRPr b="0" lang="ru-RU" sz="2400" strike="noStrike" u="none">
-              <a:solidFill>
-                <a:srgbClr val="000000"/>
-              </a:solidFill>
-              <a:uFillTx/>
-              <a:latin typeface="Arial"/>
-            </a:endParaRPr>
-          </a:p>
-          <a:p>
-            <a:pPr defTabSz="914400">
-              <a:lnSpc>
-                <a:spcPct val="100000"/>
-              </a:lnSpc>
-            </a:pPr>
-            <a:endParaRPr b="0" lang="ru-RU" sz="100" strike="noStrike" u="none">
+            <a:pPr algn="ctr"/>
+            <a:r>
+              <a:rPr b="0" lang="ru-RU" sz="3600" strike="noStrike" u="none">
+                <a:solidFill>
+                  <a:srgbClr val="000000"/>
+                </a:solidFill>
+                <a:uFillTx/>
+                <a:latin typeface="Arial"/>
+              </a:rPr>
+              <a:t>3/9</a:t>
+            </a:r>
+            <a:endParaRPr b="0" lang="ru-RU" sz="3600" strike="noStrike" u="none">
               <a:solidFill>
                 <a:srgbClr val="000000"/>
               </a:solidFill>
@@ -3278,7 +3329,7 @@
       </p:grpSpPr>
       <p:sp>
         <p:nvSpPr>
-          <p:cNvPr id="21" name="default_name"/>
+          <p:cNvPr id="23" name="default_name"/>
           <p:cNvSpPr/>
           <p:nvPr/>
         </p:nvSpPr>
@@ -3348,7 +3399,7 @@
       </p:sp>
       <p:sp>
         <p:nvSpPr>
-          <p:cNvPr id="22" name="Text 1"/>
+          <p:cNvPr id="24" name="Text 1"/>
           <p:cNvSpPr/>
           <p:nvPr/>
         </p:nvSpPr>
@@ -3519,21 +3570,25 @@
       </p:sp>
       <p:sp>
         <p:nvSpPr>
-          <p:cNvPr id="23" name="TextBox 5"/>
+          <p:cNvPr id="25" name=""/>
           <p:cNvSpPr/>
           <p:nvPr/>
         </p:nvSpPr>
         <p:spPr>
           <a:xfrm>
-            <a:off x="17696160" y="9794520"/>
-            <a:ext cx="591120" cy="470520"/>
-          </a:xfrm>
-          <a:prstGeom prst="rect">
-            <a:avLst/>
-          </a:prstGeom>
-          <a:noFill/>
-          <a:ln w="0">
-            <a:noFill/>
+            <a:off x="15840000" y="9000000"/>
+            <a:ext cx="1980000" cy="900000"/>
+          </a:xfrm>
+          <a:prstGeom prst="rect">
+            <a:avLst/>
+          </a:prstGeom>
+          <a:solidFill>
+            <a:srgbClr val="729fcf"/>
+          </a:solidFill>
+          <a:ln w="0">
+            <a:solidFill>
+              <a:srgbClr val="3465a4"/>
+            </a:solidFill>
           </a:ln>
         </p:spPr>
         <p:style>
@@ -3543,40 +3598,22 @@
           <a:fontRef idx="minor"/>
         </p:style>
         <p:txBody>
-          <a:bodyPr lIns="90000" rIns="90000" tIns="45000" bIns="45000" anchor="t">
-            <a:spAutoFit/>
+          <a:bodyPr lIns="90000" rIns="90000" tIns="45000" bIns="45000" anchor="ctr">
+            <a:noAutofit/>
           </a:bodyPr>
           <a:p>
-            <a:pPr defTabSz="914400">
-              <a:lnSpc>
-                <a:spcPct val="100000"/>
-              </a:lnSpc>
-            </a:pPr>
-            <a:r>
-              <a:rPr b="1" lang="ru-RU" sz="2400" strike="noStrike" u="none">
-                <a:solidFill>
-                  <a:srgbClr val="0070c0"/>
-                </a:solidFill>
-                <a:uFillTx/>
-                <a:latin typeface="Montserrat Medium"/>
-              </a:rPr>
-              <a:t>4</a:t>
-            </a:r>
-            <a:endParaRPr b="0" lang="ru-RU" sz="2400" strike="noStrike" u="none">
-              <a:solidFill>
-                <a:srgbClr val="000000"/>
-              </a:solidFill>
-              <a:uFillTx/>
-              <a:latin typeface="Arial"/>
-            </a:endParaRPr>
-          </a:p>
-          <a:p>
-            <a:pPr defTabSz="914400">
-              <a:lnSpc>
-                <a:spcPct val="100000"/>
-              </a:lnSpc>
-            </a:pPr>
-            <a:endParaRPr b="0" lang="ru-RU" sz="100" strike="noStrike" u="none">
+            <a:pPr algn="ctr"/>
+            <a:r>
+              <a:rPr b="0" lang="ru-RU" sz="3600" strike="noStrike" u="none">
+                <a:solidFill>
+                  <a:srgbClr val="000000"/>
+                </a:solidFill>
+                <a:uFillTx/>
+                <a:latin typeface="Arial"/>
+              </a:rPr>
+              <a:t>4/9</a:t>
+            </a:r>
+            <a:endParaRPr b="0" lang="ru-RU" sz="3600" strike="noStrike" u="none">
               <a:solidFill>
                 <a:srgbClr val="000000"/>
               </a:solidFill>
@@ -3618,7 +3655,7 @@
       </p:grpSpPr>
       <p:pic>
         <p:nvPicPr>
-          <p:cNvPr id="24" name="Rectangle 1" descr="preencoded.png"/>
+          <p:cNvPr id="26" name="Rectangle 1" descr="preencoded.png"/>
           <p:cNvPicPr/>
           <p:nvPr/>
         </p:nvPicPr>
@@ -3648,7 +3685,7 @@
       </p:pic>
       <p:sp>
         <p:nvSpPr>
-          <p:cNvPr id="25" name="default_name"/>
+          <p:cNvPr id="27" name="default_name"/>
           <p:cNvSpPr/>
           <p:nvPr/>
         </p:nvSpPr>
@@ -3707,7 +3744,7 @@
       </p:sp>
       <p:sp>
         <p:nvSpPr>
-          <p:cNvPr id="26" name="Text 1"/>
+          <p:cNvPr id="28" name="Text 1"/>
           <p:cNvSpPr/>
           <p:nvPr/>
         </p:nvSpPr>
@@ -3769,7 +3806,7 @@
       </p:sp>
       <p:sp>
         <p:nvSpPr>
-          <p:cNvPr id="27" name="default_name"/>
+          <p:cNvPr id="29" name="default_name"/>
           <p:cNvSpPr/>
           <p:nvPr/>
         </p:nvSpPr>
@@ -3828,7 +3865,7 @@
       </p:sp>
       <p:sp>
         <p:nvSpPr>
-          <p:cNvPr id="28" name="Text 3"/>
+          <p:cNvPr id="30" name="Text 3"/>
           <p:cNvSpPr/>
           <p:nvPr/>
         </p:nvSpPr>
@@ -3915,21 +3952,25 @@
       </p:sp>
       <p:sp>
         <p:nvSpPr>
-          <p:cNvPr id="29" name="TextBox 9"/>
+          <p:cNvPr id="31" name=""/>
           <p:cNvSpPr/>
           <p:nvPr/>
         </p:nvSpPr>
         <p:spPr>
           <a:xfrm>
-            <a:off x="17696160" y="9794520"/>
-            <a:ext cx="591120" cy="470520"/>
-          </a:xfrm>
-          <a:prstGeom prst="rect">
-            <a:avLst/>
-          </a:prstGeom>
-          <a:noFill/>
-          <a:ln w="0">
-            <a:noFill/>
+            <a:off x="15840000" y="9000000"/>
+            <a:ext cx="1980000" cy="900000"/>
+          </a:xfrm>
+          <a:prstGeom prst="rect">
+            <a:avLst/>
+          </a:prstGeom>
+          <a:solidFill>
+            <a:srgbClr val="729fcf"/>
+          </a:solidFill>
+          <a:ln w="0">
+            <a:solidFill>
+              <a:srgbClr val="3465a4"/>
+            </a:solidFill>
           </a:ln>
         </p:spPr>
         <p:style>
@@ -3939,49 +3980,55 @@
           <a:fontRef idx="minor"/>
         </p:style>
         <p:txBody>
-          <a:bodyPr lIns="90000" rIns="90000" tIns="45000" bIns="45000" anchor="t">
-            <a:spAutoFit/>
+          <a:bodyPr lIns="90000" rIns="90000" tIns="45000" bIns="45000" anchor="ctr">
+            <a:noAutofit/>
           </a:bodyPr>
           <a:p>
-            <a:pPr defTabSz="914400">
-              <a:lnSpc>
-                <a:spcPct val="100000"/>
-              </a:lnSpc>
-            </a:pPr>
-            <a:r>
-              <a:rPr b="1" lang="ru-RU" sz="2400" strike="noStrike" u="none">
-                <a:solidFill>
-                  <a:srgbClr val="0070c0"/>
-                </a:solidFill>
-                <a:uFillTx/>
-                <a:latin typeface="Montserrat Medium"/>
-              </a:rPr>
-              <a:t>5</a:t>
-            </a:r>
-            <a:endParaRPr b="0" lang="ru-RU" sz="2400" strike="noStrike" u="none">
-              <a:solidFill>
-                <a:srgbClr val="000000"/>
-              </a:solidFill>
-              <a:uFillTx/>
-              <a:latin typeface="Arial"/>
-            </a:endParaRPr>
-          </a:p>
-          <a:p>
-            <a:pPr defTabSz="914400">
-              <a:lnSpc>
-                <a:spcPct val="100000"/>
-              </a:lnSpc>
-            </a:pPr>
-            <a:endParaRPr b="0" lang="ru-RU" sz="100" strike="noStrike" u="none">
-              <a:solidFill>
-                <a:srgbClr val="000000"/>
-              </a:solidFill>
-              <a:uFillTx/>
-              <a:latin typeface="Arial"/>
-            </a:endParaRPr>
-          </a:p>
-        </p:txBody>
-      </p:sp>
+            <a:pPr algn="ctr"/>
+            <a:r>
+              <a:rPr b="0" lang="ru-RU" sz="3600" strike="noStrike" u="none">
+                <a:solidFill>
+                  <a:srgbClr val="000000"/>
+                </a:solidFill>
+                <a:uFillTx/>
+                <a:latin typeface="Arial"/>
+              </a:rPr>
+              <a:t>5/9</a:t>
+            </a:r>
+            <a:endParaRPr b="0" lang="ru-RU" sz="3600" strike="noStrike" u="none">
+              <a:solidFill>
+                <a:srgbClr val="000000"/>
+              </a:solidFill>
+              <a:uFillTx/>
+              <a:latin typeface="Arial"/>
+            </a:endParaRPr>
+          </a:p>
+        </p:txBody>
+      </p:sp>
+      <p:pic>
+        <p:nvPicPr>
+          <p:cNvPr id="32" name="" descr=""/>
+          <p:cNvPicPr/>
+          <p:nvPr/>
+        </p:nvPicPr>
+        <p:blipFill>
+          <a:blip r:embed="rId3"/>
+          <a:stretch/>
+        </p:blipFill>
+        <p:spPr>
+          <a:xfrm>
+            <a:off x="540000" y="5853960"/>
+            <a:ext cx="7193160" cy="4046040"/>
+          </a:xfrm>
+          <a:prstGeom prst="rect">
+            <a:avLst/>
+          </a:prstGeom>
+          <a:noFill/>
+          <a:ln w="0">
+            <a:noFill/>
+          </a:ln>
+        </p:spPr>
+      </p:pic>
     </p:spTree>
   </p:cSld>
   <mc:AlternateContent>
@@ -4021,7 +4068,7 @@
       </p:grpSpPr>
       <p:sp>
         <p:nvSpPr>
-          <p:cNvPr id="30" name="default_name"/>
+          <p:cNvPr id="33" name="default_name"/>
           <p:cNvSpPr/>
           <p:nvPr/>
         </p:nvSpPr>
@@ -4080,7 +4127,7 @@
       </p:sp>
       <p:sp>
         <p:nvSpPr>
-          <p:cNvPr id="31" name="Text 1"/>
+          <p:cNvPr id="34" name="Text 1"/>
           <p:cNvSpPr/>
           <p:nvPr/>
         </p:nvSpPr>
@@ -4140,78 +4187,9 @@
           </a:p>
         </p:txBody>
       </p:sp>
-      <p:sp>
-        <p:nvSpPr>
-          <p:cNvPr id="32" name="TextBox 7"/>
-          <p:cNvSpPr/>
-          <p:nvPr/>
-        </p:nvSpPr>
-        <p:spPr>
-          <a:xfrm>
-            <a:off x="17696160" y="9794520"/>
-            <a:ext cx="591120" cy="470520"/>
-          </a:xfrm>
-          <a:prstGeom prst="rect">
-            <a:avLst/>
-          </a:prstGeom>
-          <a:noFill/>
-          <a:ln w="0">
-            <a:noFill/>
-          </a:ln>
-        </p:spPr>
-        <p:style>
-          <a:lnRef idx="0"/>
-          <a:fillRef idx="0"/>
-          <a:effectRef idx="0"/>
-          <a:fontRef idx="minor"/>
-        </p:style>
-        <p:txBody>
-          <a:bodyPr lIns="90000" rIns="90000" tIns="45000" bIns="45000" anchor="t">
-            <a:spAutoFit/>
-          </a:bodyPr>
-          <a:p>
-            <a:pPr defTabSz="914400">
-              <a:lnSpc>
-                <a:spcPct val="100000"/>
-              </a:lnSpc>
-            </a:pPr>
-            <a:r>
-              <a:rPr b="1" lang="ru-RU" sz="2400" strike="noStrike" u="none">
-                <a:solidFill>
-                  <a:srgbClr val="0070c0"/>
-                </a:solidFill>
-                <a:uFillTx/>
-                <a:latin typeface="Montserrat Medium"/>
-              </a:rPr>
-              <a:t>6</a:t>
-            </a:r>
-            <a:endParaRPr b="0" lang="ru-RU" sz="2400" strike="noStrike" u="none">
-              <a:solidFill>
-                <a:srgbClr val="000000"/>
-              </a:solidFill>
-              <a:uFillTx/>
-              <a:latin typeface="Arial"/>
-            </a:endParaRPr>
-          </a:p>
-          <a:p>
-            <a:pPr defTabSz="914400">
-              <a:lnSpc>
-                <a:spcPct val="100000"/>
-              </a:lnSpc>
-            </a:pPr>
-            <a:endParaRPr b="0" lang="ru-RU" sz="100" strike="noStrike" u="none">
-              <a:solidFill>
-                <a:srgbClr val="000000"/>
-              </a:solidFill>
-              <a:uFillTx/>
-              <a:latin typeface="Arial"/>
-            </a:endParaRPr>
-          </a:p>
-        </p:txBody>
-      </p:sp>
       <p:pic>
         <p:nvPicPr>
-          <p:cNvPr id="33" name="" descr=""/>
+          <p:cNvPr id="35" name="" descr=""/>
           <p:cNvPicPr/>
           <p:nvPr/>
         </p:nvPicPr>
@@ -4235,7 +4213,7 @@
       </p:pic>
       <p:pic>
         <p:nvPicPr>
-          <p:cNvPr id="34" name="" descr=""/>
+          <p:cNvPr id="36" name="" descr=""/>
           <p:cNvPicPr/>
           <p:nvPr/>
         </p:nvPicPr>
@@ -4257,6 +4235,61 @@
           </a:ln>
         </p:spPr>
       </p:pic>
+      <p:sp>
+        <p:nvSpPr>
+          <p:cNvPr id="37" name=""/>
+          <p:cNvSpPr/>
+          <p:nvPr/>
+        </p:nvSpPr>
+        <p:spPr>
+          <a:xfrm>
+            <a:off x="15840000" y="9000000"/>
+            <a:ext cx="1980000" cy="900000"/>
+          </a:xfrm>
+          <a:prstGeom prst="rect">
+            <a:avLst/>
+          </a:prstGeom>
+          <a:solidFill>
+            <a:srgbClr val="729fcf"/>
+          </a:solidFill>
+          <a:ln w="0">
+            <a:solidFill>
+              <a:srgbClr val="3465a4"/>
+            </a:solidFill>
+          </a:ln>
+        </p:spPr>
+        <p:style>
+          <a:lnRef idx="0"/>
+          <a:fillRef idx="0"/>
+          <a:effectRef idx="0"/>
+          <a:fontRef idx="minor"/>
+        </p:style>
+        <p:txBody>
+          <a:bodyPr lIns="90000" rIns="90000" tIns="45000" bIns="45000" anchor="ctr">
+            <a:noAutofit/>
+          </a:bodyPr>
+          <a:p>
+            <a:pPr algn="ctr"/>
+            <a:r>
+              <a:rPr b="0" lang="ru-RU" sz="3600" strike="noStrike" u="none">
+                <a:solidFill>
+                  <a:srgbClr val="000000"/>
+                </a:solidFill>
+                <a:uFillTx/>
+                <a:latin typeface="Arial"/>
+              </a:rPr>
+              <a:t>6/9</a:t>
+            </a:r>
+            <a:endParaRPr b="0" lang="ru-RU" sz="3600" strike="noStrike" u="none">
+              <a:solidFill>
+                <a:srgbClr val="000000"/>
+              </a:solidFill>
+              <a:uFillTx/>
+              <a:latin typeface="Arial"/>
+            </a:endParaRPr>
+          </a:p>
+        </p:txBody>
+      </p:sp>
     </p:spTree>
   </p:cSld>
   <mc:AlternateContent>
@@ -4289,7 +4322,7 @@
       </p:grpSpPr>
       <p:sp>
         <p:nvSpPr>
-          <p:cNvPr id="35" name="default_name"/>
+          <p:cNvPr id="38" name="default_name"/>
           <p:cNvSpPr/>
           <p:nvPr/>
         </p:nvSpPr>
@@ -4348,7 +4381,7 @@
       </p:sp>
       <p:sp>
         <p:nvSpPr>
-          <p:cNvPr id="36" name="Text 1"/>
+          <p:cNvPr id="39" name="Text 1"/>
           <p:cNvSpPr/>
           <p:nvPr/>
         </p:nvSpPr>
@@ -4410,21 +4443,25 @@
       </p:sp>
       <p:sp>
         <p:nvSpPr>
-          <p:cNvPr id="37" name="TextBox 4"/>
+          <p:cNvPr id="40" name=""/>
           <p:cNvSpPr/>
           <p:nvPr/>
         </p:nvSpPr>
         <p:spPr>
           <a:xfrm>
-            <a:off x="17696160" y="9794520"/>
-            <a:ext cx="591120" cy="470520"/>
-          </a:xfrm>
-          <a:prstGeom prst="rect">
-            <a:avLst/>
-          </a:prstGeom>
-          <a:noFill/>
-          <a:ln w="0">
-            <a:noFill/>
+            <a:off x="15840000" y="9000000"/>
+            <a:ext cx="1980000" cy="900000"/>
+          </a:xfrm>
+          <a:prstGeom prst="rect">
+            <a:avLst/>
+          </a:prstGeom>
+          <a:solidFill>
+            <a:srgbClr val="729fcf"/>
+          </a:solidFill>
+          <a:ln w="0">
+            <a:solidFill>
+              <a:srgbClr val="3465a4"/>
+            </a:solidFill>
           </a:ln>
         </p:spPr>
         <p:style>
@@ -4434,49 +4471,55 @@
           <a:fontRef idx="minor"/>
         </p:style>
         <p:txBody>
-          <a:bodyPr lIns="90000" rIns="90000" tIns="45000" bIns="45000" anchor="t">
-            <a:spAutoFit/>
+          <a:bodyPr lIns="90000" rIns="90000" tIns="45000" bIns="45000" anchor="ctr">
+            <a:noAutofit/>
           </a:bodyPr>
           <a:p>
-            <a:pPr defTabSz="914400">
-              <a:lnSpc>
-                <a:spcPct val="100000"/>
-              </a:lnSpc>
-            </a:pPr>
-            <a:r>
-              <a:rPr b="1" lang="ru-RU" sz="2400" strike="noStrike" u="none">
-                <a:solidFill>
-                  <a:srgbClr val="0070c0"/>
-                </a:solidFill>
-                <a:uFillTx/>
-                <a:latin typeface="Montserrat Medium"/>
-              </a:rPr>
-              <a:t>7</a:t>
-            </a:r>
-            <a:endParaRPr b="0" lang="ru-RU" sz="2400" strike="noStrike" u="none">
-              <a:solidFill>
-                <a:srgbClr val="000000"/>
-              </a:solidFill>
-              <a:uFillTx/>
-              <a:latin typeface="Arial"/>
-            </a:endParaRPr>
-          </a:p>
-          <a:p>
-            <a:pPr defTabSz="914400">
-              <a:lnSpc>
-                <a:spcPct val="100000"/>
-              </a:lnSpc>
-            </a:pPr>
-            <a:endParaRPr b="0" lang="ru-RU" sz="100" strike="noStrike" u="none">
-              <a:solidFill>
-                <a:srgbClr val="000000"/>
-              </a:solidFill>
-              <a:uFillTx/>
-              <a:latin typeface="Arial"/>
-            </a:endParaRPr>
-          </a:p>
-        </p:txBody>
-      </p:sp>
+            <a:pPr algn="ctr"/>
+            <a:r>
+              <a:rPr b="0" lang="ru-RU" sz="3600" strike="noStrike" u="none">
+                <a:solidFill>
+                  <a:srgbClr val="000000"/>
+                </a:solidFill>
+                <a:uFillTx/>
+                <a:latin typeface="Arial"/>
+              </a:rPr>
+              <a:t>7/9</a:t>
+            </a:r>
+            <a:endParaRPr b="0" lang="ru-RU" sz="3600" strike="noStrike" u="none">
+              <a:solidFill>
+                <a:srgbClr val="000000"/>
+              </a:solidFill>
+              <a:uFillTx/>
+              <a:latin typeface="Arial"/>
+            </a:endParaRPr>
+          </a:p>
+        </p:txBody>
+      </p:sp>
+      <p:pic>
+        <p:nvPicPr>
+          <p:cNvPr id="41" name="" descr=""/>
+          <p:cNvPicPr/>
+          <p:nvPr/>
+        </p:nvPicPr>
+        <p:blipFill>
+          <a:blip r:embed="rId1"/>
+          <a:stretch/>
+        </p:blipFill>
+        <p:spPr>
+          <a:xfrm>
+            <a:off x="10728360" y="6852240"/>
+            <a:ext cx="4571640" cy="3047760"/>
+          </a:xfrm>
+          <a:prstGeom prst="rect">
+            <a:avLst/>
+          </a:prstGeom>
+          <a:noFill/>
+          <a:ln w="0">
+            <a:noFill/>
+          </a:ln>
+        </p:spPr>
+      </p:pic>
     </p:spTree>
   </p:cSld>
   <mc:AlternateContent>
@@ -4516,7 +4559,7 @@
       </p:grpSpPr>
       <p:sp>
         <p:nvSpPr>
-          <p:cNvPr id="38" name="default_name"/>
+          <p:cNvPr id="42" name="default_name"/>
           <p:cNvSpPr/>
           <p:nvPr/>
         </p:nvSpPr>
@@ -4589,7 +4632,7 @@
       </p:sp>
       <p:sp>
         <p:nvSpPr>
-          <p:cNvPr id="39" name="Text 1"/>
+          <p:cNvPr id="43" name="Text 1"/>
           <p:cNvSpPr/>
           <p:nvPr/>
         </p:nvSpPr>
@@ -4832,21 +4875,25 @@
       </p:sp>
       <p:sp>
         <p:nvSpPr>
-          <p:cNvPr id="40" name="TextBox 3"/>
+          <p:cNvPr id="44" name=""/>
           <p:cNvSpPr/>
           <p:nvPr/>
         </p:nvSpPr>
         <p:spPr>
           <a:xfrm>
-            <a:off x="17696160" y="9794520"/>
-            <a:ext cx="591120" cy="470520"/>
-          </a:xfrm>
-          <a:prstGeom prst="rect">
-            <a:avLst/>
-          </a:prstGeom>
-          <a:noFill/>
-          <a:ln w="0">
-            <a:noFill/>
+            <a:off x="15840000" y="9000000"/>
+            <a:ext cx="1980000" cy="900000"/>
+          </a:xfrm>
+          <a:prstGeom prst="rect">
+            <a:avLst/>
+          </a:prstGeom>
+          <a:solidFill>
+            <a:srgbClr val="729fcf"/>
+          </a:solidFill>
+          <a:ln w="0">
+            <a:solidFill>
+              <a:srgbClr val="3465a4"/>
+            </a:solidFill>
           </a:ln>
         </p:spPr>
         <p:style>
@@ -4856,49 +4903,55 @@
           <a:fontRef idx="minor"/>
         </p:style>
         <p:txBody>
-          <a:bodyPr lIns="90000" rIns="90000" tIns="45000" bIns="45000" anchor="t">
-            <a:spAutoFit/>
+          <a:bodyPr lIns="90000" rIns="90000" tIns="45000" bIns="45000" anchor="ctr">
+            <a:noAutofit/>
           </a:bodyPr>
           <a:p>
-            <a:pPr defTabSz="914400">
-              <a:lnSpc>
-                <a:spcPct val="100000"/>
-              </a:lnSpc>
-            </a:pPr>
-            <a:r>
-              <a:rPr b="1" lang="ru-RU" sz="2400" strike="noStrike" u="none">
-                <a:solidFill>
-                  <a:srgbClr val="0070c0"/>
-                </a:solidFill>
-                <a:uFillTx/>
-                <a:latin typeface="Montserrat Medium"/>
-              </a:rPr>
-              <a:t>8</a:t>
-            </a:r>
-            <a:endParaRPr b="0" lang="ru-RU" sz="2400" strike="noStrike" u="none">
-              <a:solidFill>
-                <a:srgbClr val="000000"/>
-              </a:solidFill>
-              <a:uFillTx/>
-              <a:latin typeface="Arial"/>
-            </a:endParaRPr>
-          </a:p>
-          <a:p>
-            <a:pPr defTabSz="914400">
-              <a:lnSpc>
-                <a:spcPct val="100000"/>
-              </a:lnSpc>
-            </a:pPr>
-            <a:endParaRPr b="0" lang="ru-RU" sz="100" strike="noStrike" u="none">
-              <a:solidFill>
-                <a:srgbClr val="000000"/>
-              </a:solidFill>
-              <a:uFillTx/>
-              <a:latin typeface="Arial"/>
-            </a:endParaRPr>
-          </a:p>
-        </p:txBody>
-      </p:sp>
+            <a:pPr algn="ctr"/>
+            <a:r>
+              <a:rPr b="0" lang="ru-RU" sz="3600" strike="noStrike" u="none">
+                <a:solidFill>
+                  <a:srgbClr val="000000"/>
+                </a:solidFill>
+                <a:uFillTx/>
+                <a:latin typeface="Arial"/>
+              </a:rPr>
+              <a:t>8/9</a:t>
+            </a:r>
+            <a:endParaRPr b="0" lang="ru-RU" sz="3600" strike="noStrike" u="none">
+              <a:solidFill>
+                <a:srgbClr val="000000"/>
+              </a:solidFill>
+              <a:uFillTx/>
+              <a:latin typeface="Arial"/>
+            </a:endParaRPr>
+          </a:p>
+        </p:txBody>
+      </p:sp>
+      <p:pic>
+        <p:nvPicPr>
+          <p:cNvPr id="45" name="" descr=""/>
+          <p:cNvPicPr/>
+          <p:nvPr/>
+        </p:nvPicPr>
+        <p:blipFill>
+          <a:blip r:embed="rId5"/>
+          <a:stretch/>
+        </p:blipFill>
+        <p:spPr>
+          <a:xfrm>
+            <a:off x="10188000" y="0"/>
+            <a:ext cx="8100000" cy="5062320"/>
+          </a:xfrm>
+          <a:prstGeom prst="rect">
+            <a:avLst/>
+          </a:prstGeom>
+          <a:noFill/>
+          <a:ln w="0">
+            <a:noFill/>
+          </a:ln>
+        </p:spPr>
+      </p:pic>
     </p:spTree>
   </p:cSld>
   <mc:AlternateContent>
@@ -4931,53 +4984,83 @@
       </p:grpSpPr>
       <p:sp>
         <p:nvSpPr>
-          <p:cNvPr id="41" name="PlaceHolder 1"/>
-          <p:cNvSpPr>
-            <a:spLocks noGrp="1"/>
-          </p:cNvSpPr>
-          <p:nvPr>
-            <p:ph type="subTitle"/>
-          </p:nvPr>
-        </p:nvSpPr>
-        <p:spPr>
-          <a:xfrm>
-            <a:off x="914400" y="410400"/>
-            <a:ext cx="16458840" cy="7962840"/>
-          </a:xfrm>
-          <a:prstGeom prst="rect">
-            <a:avLst/>
-          </a:prstGeom>
-          <a:noFill/>
-          <a:ln w="0">
-            <a:noFill/>
-          </a:ln>
-        </p:spPr>
-        <p:txBody>
-          <a:bodyPr lIns="0" rIns="0" tIns="0" bIns="0" anchor="ctr">
+          <p:cNvPr id="46" name=""/>
+          <p:cNvSpPr/>
+          <p:nvPr/>
+        </p:nvSpPr>
+        <p:spPr>
+          <a:xfrm>
+            <a:off x="15840000" y="9000000"/>
+            <a:ext cx="1980000" cy="900000"/>
+          </a:xfrm>
+          <a:prstGeom prst="rect">
+            <a:avLst/>
+          </a:prstGeom>
+          <a:solidFill>
+            <a:srgbClr val="729fcf"/>
+          </a:solidFill>
+          <a:ln w="0">
+            <a:solidFill>
+              <a:srgbClr val="3465a4"/>
+            </a:solidFill>
+          </a:ln>
+        </p:spPr>
+        <p:style>
+          <a:lnRef idx="0"/>
+          <a:fillRef idx="0"/>
+          <a:effectRef idx="0"/>
+          <a:fontRef idx="minor"/>
+        </p:style>
+        <p:txBody>
+          <a:bodyPr lIns="90000" rIns="90000" tIns="45000" bIns="45000" anchor="ctr">
             <a:noAutofit/>
           </a:bodyPr>
           <a:p>
             <a:pPr algn="ctr"/>
             <a:r>
-              <a:rPr b="0" lang="ru-RU" sz="7200" strike="noStrike" u="none">
+              <a:rPr b="0" lang="ru-RU" sz="3600" strike="noStrike" u="none">
                 <a:solidFill>
                   <a:srgbClr val="000000"/>
                 </a:solidFill>
                 <a:uFillTx/>
                 <a:latin typeface="Arial"/>
               </a:rPr>
-              <a:t>Спасибо за внимание!</a:t>
-            </a:r>
-            <a:endParaRPr b="0" lang="ru-RU" sz="7200" strike="noStrike" u="none">
-              <a:solidFill>
-                <a:srgbClr val="000000"/>
-              </a:solidFill>
-              <a:uFillTx/>
-              <a:latin typeface="Arial"/>
-            </a:endParaRPr>
-          </a:p>
-        </p:txBody>
-      </p:sp>
+              <a:t>9/9</a:t>
+            </a:r>
+            <a:endParaRPr b="0" lang="ru-RU" sz="3600" strike="noStrike" u="none">
+              <a:solidFill>
+                <a:srgbClr val="000000"/>
+              </a:solidFill>
+              <a:uFillTx/>
+              <a:latin typeface="Arial"/>
+            </a:endParaRPr>
+          </a:p>
+        </p:txBody>
+      </p:sp>
+      <p:pic>
+        <p:nvPicPr>
+          <p:cNvPr id="47" name="" descr=""/>
+          <p:cNvPicPr/>
+          <p:nvPr/>
+        </p:nvPicPr>
+        <p:blipFill>
+          <a:blip r:embed="rId1"/>
+          <a:stretch/>
+        </p:blipFill>
+        <p:spPr>
+          <a:xfrm>
+            <a:off x="1932480" y="1080000"/>
+            <a:ext cx="13907520" cy="7815960"/>
+          </a:xfrm>
+          <a:prstGeom prst="rect">
+            <a:avLst/>
+          </a:prstGeom>
+          <a:noFill/>
+          <a:ln w="0">
+            <a:noFill/>
+          </a:ln>
+        </p:spPr>
+      </p:pic>
     </p:spTree>
   </p:cSld>
   <mc:AlternateContent>
